--- a/ppt 16-9/1190.孝亲歌.pptx
+++ b/ppt 16-9/1190.孝亲歌.pptx
@@ -129,7 +129,7 @@
           <p:cNvPr id="2" name="标题 1">
             <a:extLst>
               <a:ext uri="{FF2B5EF4-FFF2-40B4-BE49-F238E27FC236}">
-                <a16:creationId xmlns:a16="http://schemas.microsoft.com/office/drawing/2014/main" id="{F28092A6-A110-6C30-C5ED-E8157DCED3B0}"/>
+                <a16:creationId xmlns:a16="http://schemas.microsoft.com/office/drawing/2014/main" id="{92088007-8DA4-4914-DCAF-4DECE6AACDA9}"/>
               </a:ext>
             </a:extLst>
           </p:cNvPr>
@@ -166,7 +166,7 @@
           <p:cNvPr id="3" name="副标题 2">
             <a:extLst>
               <a:ext uri="{FF2B5EF4-FFF2-40B4-BE49-F238E27FC236}">
-                <a16:creationId xmlns:a16="http://schemas.microsoft.com/office/drawing/2014/main" id="{122AC964-22FB-19D9-1DBF-3A4509190497}"/>
+                <a16:creationId xmlns:a16="http://schemas.microsoft.com/office/drawing/2014/main" id="{B89AEE22-4C99-2BAB-3A39-DFDC997B5209}"/>
               </a:ext>
             </a:extLst>
           </p:cNvPr>
@@ -236,7 +236,7 @@
           <p:cNvPr id="4" name="日期占位符 3">
             <a:extLst>
               <a:ext uri="{FF2B5EF4-FFF2-40B4-BE49-F238E27FC236}">
-                <a16:creationId xmlns:a16="http://schemas.microsoft.com/office/drawing/2014/main" id="{E49746FC-21A7-527A-70DE-B0653C6EED58}"/>
+                <a16:creationId xmlns:a16="http://schemas.microsoft.com/office/drawing/2014/main" id="{D7542B6F-5C16-646B-D619-38804C411D96}"/>
               </a:ext>
             </a:extLst>
           </p:cNvPr>
@@ -252,7 +252,7 @@
           <a:bodyPr/>
           <a:lstStyle/>
           <a:p>
-            <a:fld id="{1088E5E5-D335-4A28-8DCB-86F052E61E93}" type="datetimeFigureOut">
+            <a:fld id="{F39165A2-3D9F-46B6-A1EB-B0C544DD6156}" type="datetimeFigureOut">
               <a:rPr lang="zh-CN" altLang="en-US" smtClean="0"/>
               <a:t>2024/3/10</a:t>
             </a:fld>
@@ -265,7 +265,7 @@
           <p:cNvPr id="5" name="页脚占位符 4">
             <a:extLst>
               <a:ext uri="{FF2B5EF4-FFF2-40B4-BE49-F238E27FC236}">
-                <a16:creationId xmlns:a16="http://schemas.microsoft.com/office/drawing/2014/main" id="{1F3456A7-7D6A-5154-C96F-30CC287E861F}"/>
+                <a16:creationId xmlns:a16="http://schemas.microsoft.com/office/drawing/2014/main" id="{AADCCE30-79F9-FA0A-F589-51D33D12E81F}"/>
               </a:ext>
             </a:extLst>
           </p:cNvPr>
@@ -290,7 +290,7 @@
           <p:cNvPr id="6" name="灯片编号占位符 5">
             <a:extLst>
               <a:ext uri="{FF2B5EF4-FFF2-40B4-BE49-F238E27FC236}">
-                <a16:creationId xmlns:a16="http://schemas.microsoft.com/office/drawing/2014/main" id="{2200270D-7E8B-4597-F247-E3FB747C09FC}"/>
+                <a16:creationId xmlns:a16="http://schemas.microsoft.com/office/drawing/2014/main" id="{98CC5A4E-6374-738E-129C-6A6DEBB2FDBB}"/>
               </a:ext>
             </a:extLst>
           </p:cNvPr>
@@ -306,7 +306,7 @@
           <a:bodyPr/>
           <a:lstStyle/>
           <a:p>
-            <a:fld id="{75124A92-EE43-4D33-9438-E8343D626929}" type="slidenum">
+            <a:fld id="{E046E054-230C-46F7-831C-783704785255}" type="slidenum">
               <a:rPr lang="zh-CN" altLang="en-US" smtClean="0"/>
               <a:t>‹#›</a:t>
             </a:fld>
@@ -317,7 +317,7 @@
     </p:spTree>
     <p:extLst>
       <p:ext uri="{BB962C8B-B14F-4D97-AF65-F5344CB8AC3E}">
-        <p14:creationId xmlns:p14="http://schemas.microsoft.com/office/powerpoint/2010/main" val="2641703855"/>
+        <p14:creationId xmlns:p14="http://schemas.microsoft.com/office/powerpoint/2010/main" val="2328411840"/>
       </p:ext>
     </p:extLst>
   </p:cSld>
@@ -349,7 +349,7 @@
           <p:cNvPr id="2" name="标题 1">
             <a:extLst>
               <a:ext uri="{FF2B5EF4-FFF2-40B4-BE49-F238E27FC236}">
-                <a16:creationId xmlns:a16="http://schemas.microsoft.com/office/drawing/2014/main" id="{D56EF7C8-D73F-5E35-F21E-5EF10565B46A}"/>
+                <a16:creationId xmlns:a16="http://schemas.microsoft.com/office/drawing/2014/main" id="{1C4B074F-9020-B61D-07CC-B7F10CF94D30}"/>
               </a:ext>
             </a:extLst>
           </p:cNvPr>
@@ -377,7 +377,7 @@
           <p:cNvPr id="3" name="竖排文字占位符 2">
             <a:extLst>
               <a:ext uri="{FF2B5EF4-FFF2-40B4-BE49-F238E27FC236}">
-                <a16:creationId xmlns:a16="http://schemas.microsoft.com/office/drawing/2014/main" id="{74A814E8-D25C-0D6B-412B-F08BC3272004}"/>
+                <a16:creationId xmlns:a16="http://schemas.microsoft.com/office/drawing/2014/main" id="{1D162CD8-5327-107E-EC50-3823E34E2A3F}"/>
               </a:ext>
             </a:extLst>
           </p:cNvPr>
@@ -434,7 +434,7 @@
           <p:cNvPr id="4" name="日期占位符 3">
             <a:extLst>
               <a:ext uri="{FF2B5EF4-FFF2-40B4-BE49-F238E27FC236}">
-                <a16:creationId xmlns:a16="http://schemas.microsoft.com/office/drawing/2014/main" id="{D8CA403D-5097-1733-CF00-23F79CFE44C3}"/>
+                <a16:creationId xmlns:a16="http://schemas.microsoft.com/office/drawing/2014/main" id="{EED0ED8B-5353-E84A-D3C9-F545117E0057}"/>
               </a:ext>
             </a:extLst>
           </p:cNvPr>
@@ -450,7 +450,7 @@
           <a:bodyPr/>
           <a:lstStyle/>
           <a:p>
-            <a:fld id="{1088E5E5-D335-4A28-8DCB-86F052E61E93}" type="datetimeFigureOut">
+            <a:fld id="{F39165A2-3D9F-46B6-A1EB-B0C544DD6156}" type="datetimeFigureOut">
               <a:rPr lang="zh-CN" altLang="en-US" smtClean="0"/>
               <a:t>2024/3/10</a:t>
             </a:fld>
@@ -463,7 +463,7 @@
           <p:cNvPr id="5" name="页脚占位符 4">
             <a:extLst>
               <a:ext uri="{FF2B5EF4-FFF2-40B4-BE49-F238E27FC236}">
-                <a16:creationId xmlns:a16="http://schemas.microsoft.com/office/drawing/2014/main" id="{F42E9086-BFF7-CC12-DA81-9CD1C9DA7F02}"/>
+                <a16:creationId xmlns:a16="http://schemas.microsoft.com/office/drawing/2014/main" id="{A18EC3B9-90E4-E5E2-FBD2-6E92FE7899BF}"/>
               </a:ext>
             </a:extLst>
           </p:cNvPr>
@@ -488,7 +488,7 @@
           <p:cNvPr id="6" name="灯片编号占位符 5">
             <a:extLst>
               <a:ext uri="{FF2B5EF4-FFF2-40B4-BE49-F238E27FC236}">
-                <a16:creationId xmlns:a16="http://schemas.microsoft.com/office/drawing/2014/main" id="{61710F74-90FD-8359-8AD3-32647A4B6E10}"/>
+                <a16:creationId xmlns:a16="http://schemas.microsoft.com/office/drawing/2014/main" id="{E7697CBF-95F2-AAB3-9983-B11569727C97}"/>
               </a:ext>
             </a:extLst>
           </p:cNvPr>
@@ -504,7 +504,7 @@
           <a:bodyPr/>
           <a:lstStyle/>
           <a:p>
-            <a:fld id="{75124A92-EE43-4D33-9438-E8343D626929}" type="slidenum">
+            <a:fld id="{E046E054-230C-46F7-831C-783704785255}" type="slidenum">
               <a:rPr lang="zh-CN" altLang="en-US" smtClean="0"/>
               <a:t>‹#›</a:t>
             </a:fld>
@@ -515,7 +515,7 @@
     </p:spTree>
     <p:extLst>
       <p:ext uri="{BB962C8B-B14F-4D97-AF65-F5344CB8AC3E}">
-        <p14:creationId xmlns:p14="http://schemas.microsoft.com/office/powerpoint/2010/main" val="2163034333"/>
+        <p14:creationId xmlns:p14="http://schemas.microsoft.com/office/powerpoint/2010/main" val="1814815552"/>
       </p:ext>
     </p:extLst>
   </p:cSld>
@@ -547,7 +547,7 @@
           <p:cNvPr id="2" name="竖排标题 1">
             <a:extLst>
               <a:ext uri="{FF2B5EF4-FFF2-40B4-BE49-F238E27FC236}">
-                <a16:creationId xmlns:a16="http://schemas.microsoft.com/office/drawing/2014/main" id="{1C9DB625-79BD-DFFD-BF32-26FB84896E95}"/>
+                <a16:creationId xmlns:a16="http://schemas.microsoft.com/office/drawing/2014/main" id="{65D53609-4D02-D99E-F782-EE28A6B47EC7}"/>
               </a:ext>
             </a:extLst>
           </p:cNvPr>
@@ -580,7 +580,7 @@
           <p:cNvPr id="3" name="竖排文字占位符 2">
             <a:extLst>
               <a:ext uri="{FF2B5EF4-FFF2-40B4-BE49-F238E27FC236}">
-                <a16:creationId xmlns:a16="http://schemas.microsoft.com/office/drawing/2014/main" id="{3A3C7B29-76FE-1F10-7522-4D413A60AB11}"/>
+                <a16:creationId xmlns:a16="http://schemas.microsoft.com/office/drawing/2014/main" id="{64898075-0BF0-37EE-5E74-45C4BF03EEA2}"/>
               </a:ext>
             </a:extLst>
           </p:cNvPr>
@@ -642,7 +642,7 @@
           <p:cNvPr id="4" name="日期占位符 3">
             <a:extLst>
               <a:ext uri="{FF2B5EF4-FFF2-40B4-BE49-F238E27FC236}">
-                <a16:creationId xmlns:a16="http://schemas.microsoft.com/office/drawing/2014/main" id="{3D3603BB-355D-BD73-B6E8-2156A8E694EB}"/>
+                <a16:creationId xmlns:a16="http://schemas.microsoft.com/office/drawing/2014/main" id="{213D16C2-68C9-17CA-D042-E205A3C4C0D2}"/>
               </a:ext>
             </a:extLst>
           </p:cNvPr>
@@ -658,7 +658,7 @@
           <a:bodyPr/>
           <a:lstStyle/>
           <a:p>
-            <a:fld id="{1088E5E5-D335-4A28-8DCB-86F052E61E93}" type="datetimeFigureOut">
+            <a:fld id="{F39165A2-3D9F-46B6-A1EB-B0C544DD6156}" type="datetimeFigureOut">
               <a:rPr lang="zh-CN" altLang="en-US" smtClean="0"/>
               <a:t>2024/3/10</a:t>
             </a:fld>
@@ -671,7 +671,7 @@
           <p:cNvPr id="5" name="页脚占位符 4">
             <a:extLst>
               <a:ext uri="{FF2B5EF4-FFF2-40B4-BE49-F238E27FC236}">
-                <a16:creationId xmlns:a16="http://schemas.microsoft.com/office/drawing/2014/main" id="{8342EB58-3B63-A380-16E7-731E4CE06BAE}"/>
+                <a16:creationId xmlns:a16="http://schemas.microsoft.com/office/drawing/2014/main" id="{CA6F8D1C-CCD3-2762-7732-8EB821619CC9}"/>
               </a:ext>
             </a:extLst>
           </p:cNvPr>
@@ -696,7 +696,7 @@
           <p:cNvPr id="6" name="灯片编号占位符 5">
             <a:extLst>
               <a:ext uri="{FF2B5EF4-FFF2-40B4-BE49-F238E27FC236}">
-                <a16:creationId xmlns:a16="http://schemas.microsoft.com/office/drawing/2014/main" id="{6FF9BA13-BAF4-47E6-F0BD-3EDC2D24EAA5}"/>
+                <a16:creationId xmlns:a16="http://schemas.microsoft.com/office/drawing/2014/main" id="{DF0A8EF6-2F0C-6117-46FB-41D2E39267E8}"/>
               </a:ext>
             </a:extLst>
           </p:cNvPr>
@@ -712,7 +712,7 @@
           <a:bodyPr/>
           <a:lstStyle/>
           <a:p>
-            <a:fld id="{75124A92-EE43-4D33-9438-E8343D626929}" type="slidenum">
+            <a:fld id="{E046E054-230C-46F7-831C-783704785255}" type="slidenum">
               <a:rPr lang="zh-CN" altLang="en-US" smtClean="0"/>
               <a:t>‹#›</a:t>
             </a:fld>
@@ -723,7 +723,7 @@
     </p:spTree>
     <p:extLst>
       <p:ext uri="{BB962C8B-B14F-4D97-AF65-F5344CB8AC3E}">
-        <p14:creationId xmlns:p14="http://schemas.microsoft.com/office/powerpoint/2010/main" val="4251500787"/>
+        <p14:creationId xmlns:p14="http://schemas.microsoft.com/office/powerpoint/2010/main" val="2697009963"/>
       </p:ext>
     </p:extLst>
   </p:cSld>
@@ -755,7 +755,7 @@
           <p:cNvPr id="2" name="标题 1">
             <a:extLst>
               <a:ext uri="{FF2B5EF4-FFF2-40B4-BE49-F238E27FC236}">
-                <a16:creationId xmlns:a16="http://schemas.microsoft.com/office/drawing/2014/main" id="{4748DA80-BE4B-5CA8-E1CC-C83D3C7558AB}"/>
+                <a16:creationId xmlns:a16="http://schemas.microsoft.com/office/drawing/2014/main" id="{6559983E-0D32-01ED-A602-A09B6EDC033A}"/>
               </a:ext>
             </a:extLst>
           </p:cNvPr>
@@ -783,7 +783,7 @@
           <p:cNvPr id="3" name="内容占位符 2">
             <a:extLst>
               <a:ext uri="{FF2B5EF4-FFF2-40B4-BE49-F238E27FC236}">
-                <a16:creationId xmlns:a16="http://schemas.microsoft.com/office/drawing/2014/main" id="{014D1D22-2A51-26ED-2BAC-60AA8D8D023D}"/>
+                <a16:creationId xmlns:a16="http://schemas.microsoft.com/office/drawing/2014/main" id="{78FC15CC-1232-0FEF-FD96-57610E27BCED}"/>
               </a:ext>
             </a:extLst>
           </p:cNvPr>
@@ -840,7 +840,7 @@
           <p:cNvPr id="4" name="日期占位符 3">
             <a:extLst>
               <a:ext uri="{FF2B5EF4-FFF2-40B4-BE49-F238E27FC236}">
-                <a16:creationId xmlns:a16="http://schemas.microsoft.com/office/drawing/2014/main" id="{AE5B97B0-2211-6EB1-5761-1C65D9AB7F34}"/>
+                <a16:creationId xmlns:a16="http://schemas.microsoft.com/office/drawing/2014/main" id="{4CFE6B7D-1D10-701B-8925-80F6F86C56DC}"/>
               </a:ext>
             </a:extLst>
           </p:cNvPr>
@@ -856,7 +856,7 @@
           <a:bodyPr/>
           <a:lstStyle/>
           <a:p>
-            <a:fld id="{1088E5E5-D335-4A28-8DCB-86F052E61E93}" type="datetimeFigureOut">
+            <a:fld id="{F39165A2-3D9F-46B6-A1EB-B0C544DD6156}" type="datetimeFigureOut">
               <a:rPr lang="zh-CN" altLang="en-US" smtClean="0"/>
               <a:t>2024/3/10</a:t>
             </a:fld>
@@ -869,7 +869,7 @@
           <p:cNvPr id="5" name="页脚占位符 4">
             <a:extLst>
               <a:ext uri="{FF2B5EF4-FFF2-40B4-BE49-F238E27FC236}">
-                <a16:creationId xmlns:a16="http://schemas.microsoft.com/office/drawing/2014/main" id="{C6C7F9DB-9AEF-262C-0D18-ADE91C337B34}"/>
+                <a16:creationId xmlns:a16="http://schemas.microsoft.com/office/drawing/2014/main" id="{F4C0AFD5-0617-3922-4604-51CC7A5754CF}"/>
               </a:ext>
             </a:extLst>
           </p:cNvPr>
@@ -894,7 +894,7 @@
           <p:cNvPr id="6" name="灯片编号占位符 5">
             <a:extLst>
               <a:ext uri="{FF2B5EF4-FFF2-40B4-BE49-F238E27FC236}">
-                <a16:creationId xmlns:a16="http://schemas.microsoft.com/office/drawing/2014/main" id="{5253BBD6-ACAC-3931-90DA-9AFA63543232}"/>
+                <a16:creationId xmlns:a16="http://schemas.microsoft.com/office/drawing/2014/main" id="{5C14872C-04E0-5A6D-1F64-13925C98AC02}"/>
               </a:ext>
             </a:extLst>
           </p:cNvPr>
@@ -910,7 +910,7 @@
           <a:bodyPr/>
           <a:lstStyle/>
           <a:p>
-            <a:fld id="{75124A92-EE43-4D33-9438-E8343D626929}" type="slidenum">
+            <a:fld id="{E046E054-230C-46F7-831C-783704785255}" type="slidenum">
               <a:rPr lang="zh-CN" altLang="en-US" smtClean="0"/>
               <a:t>‹#›</a:t>
             </a:fld>
@@ -921,7 +921,7 @@
     </p:spTree>
     <p:extLst>
       <p:ext uri="{BB962C8B-B14F-4D97-AF65-F5344CB8AC3E}">
-        <p14:creationId xmlns:p14="http://schemas.microsoft.com/office/powerpoint/2010/main" val="623326444"/>
+        <p14:creationId xmlns:p14="http://schemas.microsoft.com/office/powerpoint/2010/main" val="1422719937"/>
       </p:ext>
     </p:extLst>
   </p:cSld>
@@ -953,7 +953,7 @@
           <p:cNvPr id="2" name="标题 1">
             <a:extLst>
               <a:ext uri="{FF2B5EF4-FFF2-40B4-BE49-F238E27FC236}">
-                <a16:creationId xmlns:a16="http://schemas.microsoft.com/office/drawing/2014/main" id="{7F4CD337-2F79-1242-D8D0-59268F74AD7B}"/>
+                <a16:creationId xmlns:a16="http://schemas.microsoft.com/office/drawing/2014/main" id="{AEB593DC-C237-C3AF-BE14-7DF27C8B8D68}"/>
               </a:ext>
             </a:extLst>
           </p:cNvPr>
@@ -990,7 +990,7 @@
           <p:cNvPr id="3" name="文本占位符 2">
             <a:extLst>
               <a:ext uri="{FF2B5EF4-FFF2-40B4-BE49-F238E27FC236}">
-                <a16:creationId xmlns:a16="http://schemas.microsoft.com/office/drawing/2014/main" id="{727362E1-5F06-4E29-0548-3BCCCE2958A9}"/>
+                <a16:creationId xmlns:a16="http://schemas.microsoft.com/office/drawing/2014/main" id="{ED14B385-5E3B-6980-36D3-64411582ADCC}"/>
               </a:ext>
             </a:extLst>
           </p:cNvPr>
@@ -1115,7 +1115,7 @@
           <p:cNvPr id="4" name="日期占位符 3">
             <a:extLst>
               <a:ext uri="{FF2B5EF4-FFF2-40B4-BE49-F238E27FC236}">
-                <a16:creationId xmlns:a16="http://schemas.microsoft.com/office/drawing/2014/main" id="{5944F785-FA50-E2D2-F785-4BB888BE2E66}"/>
+                <a16:creationId xmlns:a16="http://schemas.microsoft.com/office/drawing/2014/main" id="{790081CD-C8F9-84FD-F148-3516F077490C}"/>
               </a:ext>
             </a:extLst>
           </p:cNvPr>
@@ -1131,7 +1131,7 @@
           <a:bodyPr/>
           <a:lstStyle/>
           <a:p>
-            <a:fld id="{1088E5E5-D335-4A28-8DCB-86F052E61E93}" type="datetimeFigureOut">
+            <a:fld id="{F39165A2-3D9F-46B6-A1EB-B0C544DD6156}" type="datetimeFigureOut">
               <a:rPr lang="zh-CN" altLang="en-US" smtClean="0"/>
               <a:t>2024/3/10</a:t>
             </a:fld>
@@ -1144,7 +1144,7 @@
           <p:cNvPr id="5" name="页脚占位符 4">
             <a:extLst>
               <a:ext uri="{FF2B5EF4-FFF2-40B4-BE49-F238E27FC236}">
-                <a16:creationId xmlns:a16="http://schemas.microsoft.com/office/drawing/2014/main" id="{D67464E3-14D4-F517-5215-6619EAC6EACC}"/>
+                <a16:creationId xmlns:a16="http://schemas.microsoft.com/office/drawing/2014/main" id="{951711CD-B4A0-EBF8-C088-4CAF65C8E573}"/>
               </a:ext>
             </a:extLst>
           </p:cNvPr>
@@ -1169,7 +1169,7 @@
           <p:cNvPr id="6" name="灯片编号占位符 5">
             <a:extLst>
               <a:ext uri="{FF2B5EF4-FFF2-40B4-BE49-F238E27FC236}">
-                <a16:creationId xmlns:a16="http://schemas.microsoft.com/office/drawing/2014/main" id="{85E9B3E7-0E39-0F76-C9FA-D4FE85E1C59C}"/>
+                <a16:creationId xmlns:a16="http://schemas.microsoft.com/office/drawing/2014/main" id="{157A4575-E479-21BC-2F38-59F162D3ED35}"/>
               </a:ext>
             </a:extLst>
           </p:cNvPr>
@@ -1185,7 +1185,7 @@
           <a:bodyPr/>
           <a:lstStyle/>
           <a:p>
-            <a:fld id="{75124A92-EE43-4D33-9438-E8343D626929}" type="slidenum">
+            <a:fld id="{E046E054-230C-46F7-831C-783704785255}" type="slidenum">
               <a:rPr lang="zh-CN" altLang="en-US" smtClean="0"/>
               <a:t>‹#›</a:t>
             </a:fld>
@@ -1196,7 +1196,7 @@
     </p:spTree>
     <p:extLst>
       <p:ext uri="{BB962C8B-B14F-4D97-AF65-F5344CB8AC3E}">
-        <p14:creationId xmlns:p14="http://schemas.microsoft.com/office/powerpoint/2010/main" val="3633698762"/>
+        <p14:creationId xmlns:p14="http://schemas.microsoft.com/office/powerpoint/2010/main" val="260662787"/>
       </p:ext>
     </p:extLst>
   </p:cSld>
@@ -1228,7 +1228,7 @@
           <p:cNvPr id="2" name="标题 1">
             <a:extLst>
               <a:ext uri="{FF2B5EF4-FFF2-40B4-BE49-F238E27FC236}">
-                <a16:creationId xmlns:a16="http://schemas.microsoft.com/office/drawing/2014/main" id="{10C59AC7-F040-42A6-DA84-B530CBEC5CA0}"/>
+                <a16:creationId xmlns:a16="http://schemas.microsoft.com/office/drawing/2014/main" id="{A6EAAB58-275E-BE1C-9AF7-50B5D9481F57}"/>
               </a:ext>
             </a:extLst>
           </p:cNvPr>
@@ -1256,7 +1256,7 @@
           <p:cNvPr id="3" name="内容占位符 2">
             <a:extLst>
               <a:ext uri="{FF2B5EF4-FFF2-40B4-BE49-F238E27FC236}">
-                <a16:creationId xmlns:a16="http://schemas.microsoft.com/office/drawing/2014/main" id="{22986507-5D8F-026C-AD08-B3C2847A282D}"/>
+                <a16:creationId xmlns:a16="http://schemas.microsoft.com/office/drawing/2014/main" id="{EB2C1012-A750-8918-24D9-1F1AD0DC5310}"/>
               </a:ext>
             </a:extLst>
           </p:cNvPr>
@@ -1318,7 +1318,7 @@
           <p:cNvPr id="4" name="内容占位符 3">
             <a:extLst>
               <a:ext uri="{FF2B5EF4-FFF2-40B4-BE49-F238E27FC236}">
-                <a16:creationId xmlns:a16="http://schemas.microsoft.com/office/drawing/2014/main" id="{ABAB8333-9BB5-9F47-F5DF-C5CF8BAA1FEF}"/>
+                <a16:creationId xmlns:a16="http://schemas.microsoft.com/office/drawing/2014/main" id="{1F84B77C-5264-8143-6D70-EDDB794A3BC3}"/>
               </a:ext>
             </a:extLst>
           </p:cNvPr>
@@ -1380,7 +1380,7 @@
           <p:cNvPr id="5" name="日期占位符 4">
             <a:extLst>
               <a:ext uri="{FF2B5EF4-FFF2-40B4-BE49-F238E27FC236}">
-                <a16:creationId xmlns:a16="http://schemas.microsoft.com/office/drawing/2014/main" id="{5CE8C81D-8A88-F2A0-683A-FD332CA8C544}"/>
+                <a16:creationId xmlns:a16="http://schemas.microsoft.com/office/drawing/2014/main" id="{D9673F5B-8C3C-E4D8-D4BF-5193E1C0D6E6}"/>
               </a:ext>
             </a:extLst>
           </p:cNvPr>
@@ -1396,7 +1396,7 @@
           <a:bodyPr/>
           <a:lstStyle/>
           <a:p>
-            <a:fld id="{1088E5E5-D335-4A28-8DCB-86F052E61E93}" type="datetimeFigureOut">
+            <a:fld id="{F39165A2-3D9F-46B6-A1EB-B0C544DD6156}" type="datetimeFigureOut">
               <a:rPr lang="zh-CN" altLang="en-US" smtClean="0"/>
               <a:t>2024/3/10</a:t>
             </a:fld>
@@ -1409,7 +1409,7 @@
           <p:cNvPr id="6" name="页脚占位符 5">
             <a:extLst>
               <a:ext uri="{FF2B5EF4-FFF2-40B4-BE49-F238E27FC236}">
-                <a16:creationId xmlns:a16="http://schemas.microsoft.com/office/drawing/2014/main" id="{89805A88-8A96-B0C0-C94D-C73887B6405E}"/>
+                <a16:creationId xmlns:a16="http://schemas.microsoft.com/office/drawing/2014/main" id="{E8EBC2F7-C709-E9BB-DD33-B41C527B2215}"/>
               </a:ext>
             </a:extLst>
           </p:cNvPr>
@@ -1434,7 +1434,7 @@
           <p:cNvPr id="7" name="灯片编号占位符 6">
             <a:extLst>
               <a:ext uri="{FF2B5EF4-FFF2-40B4-BE49-F238E27FC236}">
-                <a16:creationId xmlns:a16="http://schemas.microsoft.com/office/drawing/2014/main" id="{0F1620C7-F5EA-0887-040F-8F27F13BA9A8}"/>
+                <a16:creationId xmlns:a16="http://schemas.microsoft.com/office/drawing/2014/main" id="{0FB37E0F-AEA9-C580-EFC6-776E7BCF2CAE}"/>
               </a:ext>
             </a:extLst>
           </p:cNvPr>
@@ -1450,7 +1450,7 @@
           <a:bodyPr/>
           <a:lstStyle/>
           <a:p>
-            <a:fld id="{75124A92-EE43-4D33-9438-E8343D626929}" type="slidenum">
+            <a:fld id="{E046E054-230C-46F7-831C-783704785255}" type="slidenum">
               <a:rPr lang="zh-CN" altLang="en-US" smtClean="0"/>
               <a:t>‹#›</a:t>
             </a:fld>
@@ -1461,7 +1461,7 @@
     </p:spTree>
     <p:extLst>
       <p:ext uri="{BB962C8B-B14F-4D97-AF65-F5344CB8AC3E}">
-        <p14:creationId xmlns:p14="http://schemas.microsoft.com/office/powerpoint/2010/main" val="1154237759"/>
+        <p14:creationId xmlns:p14="http://schemas.microsoft.com/office/powerpoint/2010/main" val="1677273831"/>
       </p:ext>
     </p:extLst>
   </p:cSld>
@@ -1493,7 +1493,7 @@
           <p:cNvPr id="2" name="标题 1">
             <a:extLst>
               <a:ext uri="{FF2B5EF4-FFF2-40B4-BE49-F238E27FC236}">
-                <a16:creationId xmlns:a16="http://schemas.microsoft.com/office/drawing/2014/main" id="{DB18D439-EA0E-A60A-229C-58C61EBC5FD3}"/>
+                <a16:creationId xmlns:a16="http://schemas.microsoft.com/office/drawing/2014/main" id="{E7735ACC-DCEE-280A-BB32-E61AFA3B42AE}"/>
               </a:ext>
             </a:extLst>
           </p:cNvPr>
@@ -1526,7 +1526,7 @@
           <p:cNvPr id="3" name="文本占位符 2">
             <a:extLst>
               <a:ext uri="{FF2B5EF4-FFF2-40B4-BE49-F238E27FC236}">
-                <a16:creationId xmlns:a16="http://schemas.microsoft.com/office/drawing/2014/main" id="{22F86BB8-D53D-A053-19EC-32B2FCDB7980}"/>
+                <a16:creationId xmlns:a16="http://schemas.microsoft.com/office/drawing/2014/main" id="{CC500950-57AD-7C39-BE07-4639A9752D10}"/>
               </a:ext>
             </a:extLst>
           </p:cNvPr>
@@ -1597,7 +1597,7 @@
           <p:cNvPr id="4" name="内容占位符 3">
             <a:extLst>
               <a:ext uri="{FF2B5EF4-FFF2-40B4-BE49-F238E27FC236}">
-                <a16:creationId xmlns:a16="http://schemas.microsoft.com/office/drawing/2014/main" id="{93D48511-0ADE-5916-2E61-56D4340045AF}"/>
+                <a16:creationId xmlns:a16="http://schemas.microsoft.com/office/drawing/2014/main" id="{73A0ACD4-3FB4-6574-4DAC-1D7E7181CA81}"/>
               </a:ext>
             </a:extLst>
           </p:cNvPr>
@@ -1659,7 +1659,7 @@
           <p:cNvPr id="5" name="文本占位符 4">
             <a:extLst>
               <a:ext uri="{FF2B5EF4-FFF2-40B4-BE49-F238E27FC236}">
-                <a16:creationId xmlns:a16="http://schemas.microsoft.com/office/drawing/2014/main" id="{F73D41E8-AF04-753F-63EA-F42B0F6DE517}"/>
+                <a16:creationId xmlns:a16="http://schemas.microsoft.com/office/drawing/2014/main" id="{274BD311-64C8-8970-1E32-F38784225ED3}"/>
               </a:ext>
             </a:extLst>
           </p:cNvPr>
@@ -1730,7 +1730,7 @@
           <p:cNvPr id="6" name="内容占位符 5">
             <a:extLst>
               <a:ext uri="{FF2B5EF4-FFF2-40B4-BE49-F238E27FC236}">
-                <a16:creationId xmlns:a16="http://schemas.microsoft.com/office/drawing/2014/main" id="{9615DFA9-A508-2354-A4D3-2732947B5831}"/>
+                <a16:creationId xmlns:a16="http://schemas.microsoft.com/office/drawing/2014/main" id="{1320DEA0-647A-D9DE-8151-0CB0C0234491}"/>
               </a:ext>
             </a:extLst>
           </p:cNvPr>
@@ -1792,7 +1792,7 @@
           <p:cNvPr id="7" name="日期占位符 6">
             <a:extLst>
               <a:ext uri="{FF2B5EF4-FFF2-40B4-BE49-F238E27FC236}">
-                <a16:creationId xmlns:a16="http://schemas.microsoft.com/office/drawing/2014/main" id="{57B1C395-E48A-63C9-4AF6-D2097A5175D2}"/>
+                <a16:creationId xmlns:a16="http://schemas.microsoft.com/office/drawing/2014/main" id="{35478192-6D11-C792-3BF2-6F493B2765D9}"/>
               </a:ext>
             </a:extLst>
           </p:cNvPr>
@@ -1808,7 +1808,7 @@
           <a:bodyPr/>
           <a:lstStyle/>
           <a:p>
-            <a:fld id="{1088E5E5-D335-4A28-8DCB-86F052E61E93}" type="datetimeFigureOut">
+            <a:fld id="{F39165A2-3D9F-46B6-A1EB-B0C544DD6156}" type="datetimeFigureOut">
               <a:rPr lang="zh-CN" altLang="en-US" smtClean="0"/>
               <a:t>2024/3/10</a:t>
             </a:fld>
@@ -1821,7 +1821,7 @@
           <p:cNvPr id="8" name="页脚占位符 7">
             <a:extLst>
               <a:ext uri="{FF2B5EF4-FFF2-40B4-BE49-F238E27FC236}">
-                <a16:creationId xmlns:a16="http://schemas.microsoft.com/office/drawing/2014/main" id="{175245BA-600F-F7B2-8EBC-21C4DC29F147}"/>
+                <a16:creationId xmlns:a16="http://schemas.microsoft.com/office/drawing/2014/main" id="{EDB4E183-0349-86E8-0574-C4D9CC596AF2}"/>
               </a:ext>
             </a:extLst>
           </p:cNvPr>
@@ -1846,7 +1846,7 @@
           <p:cNvPr id="9" name="灯片编号占位符 8">
             <a:extLst>
               <a:ext uri="{FF2B5EF4-FFF2-40B4-BE49-F238E27FC236}">
-                <a16:creationId xmlns:a16="http://schemas.microsoft.com/office/drawing/2014/main" id="{19AB1C4B-1027-A9E0-FA47-E5096DE29801}"/>
+                <a16:creationId xmlns:a16="http://schemas.microsoft.com/office/drawing/2014/main" id="{A25058F8-C632-8F85-8D09-C0257D38B099}"/>
               </a:ext>
             </a:extLst>
           </p:cNvPr>
@@ -1862,7 +1862,7 @@
           <a:bodyPr/>
           <a:lstStyle/>
           <a:p>
-            <a:fld id="{75124A92-EE43-4D33-9438-E8343D626929}" type="slidenum">
+            <a:fld id="{E046E054-230C-46F7-831C-783704785255}" type="slidenum">
               <a:rPr lang="zh-CN" altLang="en-US" smtClean="0"/>
               <a:t>‹#›</a:t>
             </a:fld>
@@ -1873,7 +1873,7 @@
     </p:spTree>
     <p:extLst>
       <p:ext uri="{BB962C8B-B14F-4D97-AF65-F5344CB8AC3E}">
-        <p14:creationId xmlns:p14="http://schemas.microsoft.com/office/powerpoint/2010/main" val="1663117068"/>
+        <p14:creationId xmlns:p14="http://schemas.microsoft.com/office/powerpoint/2010/main" val="662590329"/>
       </p:ext>
     </p:extLst>
   </p:cSld>
@@ -1905,7 +1905,7 @@
           <p:cNvPr id="2" name="标题 1">
             <a:extLst>
               <a:ext uri="{FF2B5EF4-FFF2-40B4-BE49-F238E27FC236}">
-                <a16:creationId xmlns:a16="http://schemas.microsoft.com/office/drawing/2014/main" id="{1408FB43-585D-247A-7602-0E36C3B5B39B}"/>
+                <a16:creationId xmlns:a16="http://schemas.microsoft.com/office/drawing/2014/main" id="{5016C501-39CB-0835-8AFB-536D1E294FD7}"/>
               </a:ext>
             </a:extLst>
           </p:cNvPr>
@@ -1933,7 +1933,7 @@
           <p:cNvPr id="3" name="日期占位符 2">
             <a:extLst>
               <a:ext uri="{FF2B5EF4-FFF2-40B4-BE49-F238E27FC236}">
-                <a16:creationId xmlns:a16="http://schemas.microsoft.com/office/drawing/2014/main" id="{FD3CE1EC-4F1C-C861-48E2-94B13E725FFF}"/>
+                <a16:creationId xmlns:a16="http://schemas.microsoft.com/office/drawing/2014/main" id="{C1DBC4C2-371C-85E6-C7E0-F447DD9422AE}"/>
               </a:ext>
             </a:extLst>
           </p:cNvPr>
@@ -1949,7 +1949,7 @@
           <a:bodyPr/>
           <a:lstStyle/>
           <a:p>
-            <a:fld id="{1088E5E5-D335-4A28-8DCB-86F052E61E93}" type="datetimeFigureOut">
+            <a:fld id="{F39165A2-3D9F-46B6-A1EB-B0C544DD6156}" type="datetimeFigureOut">
               <a:rPr lang="zh-CN" altLang="en-US" smtClean="0"/>
               <a:t>2024/3/10</a:t>
             </a:fld>
@@ -1962,7 +1962,7 @@
           <p:cNvPr id="4" name="页脚占位符 3">
             <a:extLst>
               <a:ext uri="{FF2B5EF4-FFF2-40B4-BE49-F238E27FC236}">
-                <a16:creationId xmlns:a16="http://schemas.microsoft.com/office/drawing/2014/main" id="{6E7A8E95-263C-9378-58FB-E9F1C5AB3439}"/>
+                <a16:creationId xmlns:a16="http://schemas.microsoft.com/office/drawing/2014/main" id="{D79DF4E9-3DF5-835C-8BF7-340098E5C43D}"/>
               </a:ext>
             </a:extLst>
           </p:cNvPr>
@@ -1987,7 +1987,7 @@
           <p:cNvPr id="5" name="灯片编号占位符 4">
             <a:extLst>
               <a:ext uri="{FF2B5EF4-FFF2-40B4-BE49-F238E27FC236}">
-                <a16:creationId xmlns:a16="http://schemas.microsoft.com/office/drawing/2014/main" id="{E18A6E48-F9E5-FF25-B712-8803A966B839}"/>
+                <a16:creationId xmlns:a16="http://schemas.microsoft.com/office/drawing/2014/main" id="{21C71A51-9D79-B017-3673-19CF1F21D1E6}"/>
               </a:ext>
             </a:extLst>
           </p:cNvPr>
@@ -2003,7 +2003,7 @@
           <a:bodyPr/>
           <a:lstStyle/>
           <a:p>
-            <a:fld id="{75124A92-EE43-4D33-9438-E8343D626929}" type="slidenum">
+            <a:fld id="{E046E054-230C-46F7-831C-783704785255}" type="slidenum">
               <a:rPr lang="zh-CN" altLang="en-US" smtClean="0"/>
               <a:t>‹#›</a:t>
             </a:fld>
@@ -2014,7 +2014,7 @@
     </p:spTree>
     <p:extLst>
       <p:ext uri="{BB962C8B-B14F-4D97-AF65-F5344CB8AC3E}">
-        <p14:creationId xmlns:p14="http://schemas.microsoft.com/office/powerpoint/2010/main" val="3247481821"/>
+        <p14:creationId xmlns:p14="http://schemas.microsoft.com/office/powerpoint/2010/main" val="2258247183"/>
       </p:ext>
     </p:extLst>
   </p:cSld>
@@ -2046,7 +2046,7 @@
           <p:cNvPr id="2" name="日期占位符 1">
             <a:extLst>
               <a:ext uri="{FF2B5EF4-FFF2-40B4-BE49-F238E27FC236}">
-                <a16:creationId xmlns:a16="http://schemas.microsoft.com/office/drawing/2014/main" id="{80E23941-2C20-06E9-4C9E-94659FA41A79}"/>
+                <a16:creationId xmlns:a16="http://schemas.microsoft.com/office/drawing/2014/main" id="{ED7A1169-3CF1-C334-8F95-6BEF0EEA8C1D}"/>
               </a:ext>
             </a:extLst>
           </p:cNvPr>
@@ -2062,7 +2062,7 @@
           <a:bodyPr/>
           <a:lstStyle/>
           <a:p>
-            <a:fld id="{1088E5E5-D335-4A28-8DCB-86F052E61E93}" type="datetimeFigureOut">
+            <a:fld id="{F39165A2-3D9F-46B6-A1EB-B0C544DD6156}" type="datetimeFigureOut">
               <a:rPr lang="zh-CN" altLang="en-US" smtClean="0"/>
               <a:t>2024/3/10</a:t>
             </a:fld>
@@ -2075,7 +2075,7 @@
           <p:cNvPr id="3" name="页脚占位符 2">
             <a:extLst>
               <a:ext uri="{FF2B5EF4-FFF2-40B4-BE49-F238E27FC236}">
-                <a16:creationId xmlns:a16="http://schemas.microsoft.com/office/drawing/2014/main" id="{D83CA694-E594-78D0-953A-62ACAE3ED71B}"/>
+                <a16:creationId xmlns:a16="http://schemas.microsoft.com/office/drawing/2014/main" id="{C6C03AFF-67E3-AF96-E01B-CF712C0B8DA6}"/>
               </a:ext>
             </a:extLst>
           </p:cNvPr>
@@ -2100,7 +2100,7 @@
           <p:cNvPr id="4" name="灯片编号占位符 3">
             <a:extLst>
               <a:ext uri="{FF2B5EF4-FFF2-40B4-BE49-F238E27FC236}">
-                <a16:creationId xmlns:a16="http://schemas.microsoft.com/office/drawing/2014/main" id="{4373EB25-D6FB-F42A-6FFF-13AB255BCCC4}"/>
+                <a16:creationId xmlns:a16="http://schemas.microsoft.com/office/drawing/2014/main" id="{5EF398D1-6042-B00F-E752-717F27BDFBA2}"/>
               </a:ext>
             </a:extLst>
           </p:cNvPr>
@@ -2116,7 +2116,7 @@
           <a:bodyPr/>
           <a:lstStyle/>
           <a:p>
-            <a:fld id="{75124A92-EE43-4D33-9438-E8343D626929}" type="slidenum">
+            <a:fld id="{E046E054-230C-46F7-831C-783704785255}" type="slidenum">
               <a:rPr lang="zh-CN" altLang="en-US" smtClean="0"/>
               <a:t>‹#›</a:t>
             </a:fld>
@@ -2127,7 +2127,7 @@
     </p:spTree>
     <p:extLst>
       <p:ext uri="{BB962C8B-B14F-4D97-AF65-F5344CB8AC3E}">
-        <p14:creationId xmlns:p14="http://schemas.microsoft.com/office/powerpoint/2010/main" val="4003177994"/>
+        <p14:creationId xmlns:p14="http://schemas.microsoft.com/office/powerpoint/2010/main" val="3209304087"/>
       </p:ext>
     </p:extLst>
   </p:cSld>
@@ -2159,7 +2159,7 @@
           <p:cNvPr id="2" name="标题 1">
             <a:extLst>
               <a:ext uri="{FF2B5EF4-FFF2-40B4-BE49-F238E27FC236}">
-                <a16:creationId xmlns:a16="http://schemas.microsoft.com/office/drawing/2014/main" id="{215F4CBD-8114-6CA3-48EF-906469637EAC}"/>
+                <a16:creationId xmlns:a16="http://schemas.microsoft.com/office/drawing/2014/main" id="{9F236CD2-CDEF-711E-4856-BD491166D08A}"/>
               </a:ext>
             </a:extLst>
           </p:cNvPr>
@@ -2196,7 +2196,7 @@
           <p:cNvPr id="3" name="内容占位符 2">
             <a:extLst>
               <a:ext uri="{FF2B5EF4-FFF2-40B4-BE49-F238E27FC236}">
-                <a16:creationId xmlns:a16="http://schemas.microsoft.com/office/drawing/2014/main" id="{385C4B4F-5772-67F1-3839-27D141834FD2}"/>
+                <a16:creationId xmlns:a16="http://schemas.microsoft.com/office/drawing/2014/main" id="{696D28C3-EB04-BCFE-DB12-E9FA81C6E558}"/>
               </a:ext>
             </a:extLst>
           </p:cNvPr>
@@ -2286,7 +2286,7 @@
           <p:cNvPr id="4" name="文本占位符 3">
             <a:extLst>
               <a:ext uri="{FF2B5EF4-FFF2-40B4-BE49-F238E27FC236}">
-                <a16:creationId xmlns:a16="http://schemas.microsoft.com/office/drawing/2014/main" id="{9D90B26A-2583-16F1-DB66-3E302E305E5A}"/>
+                <a16:creationId xmlns:a16="http://schemas.microsoft.com/office/drawing/2014/main" id="{C7BDD224-8309-3861-E653-D75FBB67C7EF}"/>
               </a:ext>
             </a:extLst>
           </p:cNvPr>
@@ -2357,7 +2357,7 @@
           <p:cNvPr id="5" name="日期占位符 4">
             <a:extLst>
               <a:ext uri="{FF2B5EF4-FFF2-40B4-BE49-F238E27FC236}">
-                <a16:creationId xmlns:a16="http://schemas.microsoft.com/office/drawing/2014/main" id="{56B495AE-E24B-884D-4E83-2BE5066414FA}"/>
+                <a16:creationId xmlns:a16="http://schemas.microsoft.com/office/drawing/2014/main" id="{16BB1838-EBB7-1AAB-EE50-D09371F31321}"/>
               </a:ext>
             </a:extLst>
           </p:cNvPr>
@@ -2373,7 +2373,7 @@
           <a:bodyPr/>
           <a:lstStyle/>
           <a:p>
-            <a:fld id="{1088E5E5-D335-4A28-8DCB-86F052E61E93}" type="datetimeFigureOut">
+            <a:fld id="{F39165A2-3D9F-46B6-A1EB-B0C544DD6156}" type="datetimeFigureOut">
               <a:rPr lang="zh-CN" altLang="en-US" smtClean="0"/>
               <a:t>2024/3/10</a:t>
             </a:fld>
@@ -2386,7 +2386,7 @@
           <p:cNvPr id="6" name="页脚占位符 5">
             <a:extLst>
               <a:ext uri="{FF2B5EF4-FFF2-40B4-BE49-F238E27FC236}">
-                <a16:creationId xmlns:a16="http://schemas.microsoft.com/office/drawing/2014/main" id="{20F09AC1-C10F-C145-C76F-4F87131D7FC1}"/>
+                <a16:creationId xmlns:a16="http://schemas.microsoft.com/office/drawing/2014/main" id="{229542A1-7219-9E17-7651-54A2C5E86F88}"/>
               </a:ext>
             </a:extLst>
           </p:cNvPr>
@@ -2411,7 +2411,7 @@
           <p:cNvPr id="7" name="灯片编号占位符 6">
             <a:extLst>
               <a:ext uri="{FF2B5EF4-FFF2-40B4-BE49-F238E27FC236}">
-                <a16:creationId xmlns:a16="http://schemas.microsoft.com/office/drawing/2014/main" id="{9341EA70-2E06-9E66-9A6D-E2AA5D543902}"/>
+                <a16:creationId xmlns:a16="http://schemas.microsoft.com/office/drawing/2014/main" id="{6E89D5C8-47EA-4F51-7E5F-4559C9F4360C}"/>
               </a:ext>
             </a:extLst>
           </p:cNvPr>
@@ -2427,7 +2427,7 @@
           <a:bodyPr/>
           <a:lstStyle/>
           <a:p>
-            <a:fld id="{75124A92-EE43-4D33-9438-E8343D626929}" type="slidenum">
+            <a:fld id="{E046E054-230C-46F7-831C-783704785255}" type="slidenum">
               <a:rPr lang="zh-CN" altLang="en-US" smtClean="0"/>
               <a:t>‹#›</a:t>
             </a:fld>
@@ -2438,7 +2438,7 @@
     </p:spTree>
     <p:extLst>
       <p:ext uri="{BB962C8B-B14F-4D97-AF65-F5344CB8AC3E}">
-        <p14:creationId xmlns:p14="http://schemas.microsoft.com/office/powerpoint/2010/main" val="2722366986"/>
+        <p14:creationId xmlns:p14="http://schemas.microsoft.com/office/powerpoint/2010/main" val="1640666266"/>
       </p:ext>
     </p:extLst>
   </p:cSld>
@@ -2470,7 +2470,7 @@
           <p:cNvPr id="2" name="标题 1">
             <a:extLst>
               <a:ext uri="{FF2B5EF4-FFF2-40B4-BE49-F238E27FC236}">
-                <a16:creationId xmlns:a16="http://schemas.microsoft.com/office/drawing/2014/main" id="{43FC37FF-EC9F-C9CD-F292-D45118DFC83A}"/>
+                <a16:creationId xmlns:a16="http://schemas.microsoft.com/office/drawing/2014/main" id="{07DB74B1-97B7-1779-7569-6DDFFAC942D8}"/>
               </a:ext>
             </a:extLst>
           </p:cNvPr>
@@ -2507,7 +2507,7 @@
           <p:cNvPr id="3" name="图片占位符 2">
             <a:extLst>
               <a:ext uri="{FF2B5EF4-FFF2-40B4-BE49-F238E27FC236}">
-                <a16:creationId xmlns:a16="http://schemas.microsoft.com/office/drawing/2014/main" id="{40E029DA-4ABC-7CB0-E7F6-5882AB550F0E}"/>
+                <a16:creationId xmlns:a16="http://schemas.microsoft.com/office/drawing/2014/main" id="{23E9B8E0-57F2-E99A-F336-ADA30CB4A70C}"/>
               </a:ext>
             </a:extLst>
           </p:cNvPr>
@@ -2574,7 +2574,7 @@
           <p:cNvPr id="4" name="文本占位符 3">
             <a:extLst>
               <a:ext uri="{FF2B5EF4-FFF2-40B4-BE49-F238E27FC236}">
-                <a16:creationId xmlns:a16="http://schemas.microsoft.com/office/drawing/2014/main" id="{63C2D025-DE17-678F-73B0-A4D48C22F916}"/>
+                <a16:creationId xmlns:a16="http://schemas.microsoft.com/office/drawing/2014/main" id="{C0C68601-2AC1-6C88-8265-CB49F9470A15}"/>
               </a:ext>
             </a:extLst>
           </p:cNvPr>
@@ -2645,7 +2645,7 @@
           <p:cNvPr id="5" name="日期占位符 4">
             <a:extLst>
               <a:ext uri="{FF2B5EF4-FFF2-40B4-BE49-F238E27FC236}">
-                <a16:creationId xmlns:a16="http://schemas.microsoft.com/office/drawing/2014/main" id="{D75F0A17-2969-221B-D81C-13F65EA22ECC}"/>
+                <a16:creationId xmlns:a16="http://schemas.microsoft.com/office/drawing/2014/main" id="{9A2AFD66-E62A-F28F-5814-DDE8E561D7DF}"/>
               </a:ext>
             </a:extLst>
           </p:cNvPr>
@@ -2661,7 +2661,7 @@
           <a:bodyPr/>
           <a:lstStyle/>
           <a:p>
-            <a:fld id="{1088E5E5-D335-4A28-8DCB-86F052E61E93}" type="datetimeFigureOut">
+            <a:fld id="{F39165A2-3D9F-46B6-A1EB-B0C544DD6156}" type="datetimeFigureOut">
               <a:rPr lang="zh-CN" altLang="en-US" smtClean="0"/>
               <a:t>2024/3/10</a:t>
             </a:fld>
@@ -2674,7 +2674,7 @@
           <p:cNvPr id="6" name="页脚占位符 5">
             <a:extLst>
               <a:ext uri="{FF2B5EF4-FFF2-40B4-BE49-F238E27FC236}">
-                <a16:creationId xmlns:a16="http://schemas.microsoft.com/office/drawing/2014/main" id="{BC6FEBA9-3987-8CB3-F827-E772839BF49F}"/>
+                <a16:creationId xmlns:a16="http://schemas.microsoft.com/office/drawing/2014/main" id="{587BD7BE-6CB6-65A9-0508-F13C95649ED8}"/>
               </a:ext>
             </a:extLst>
           </p:cNvPr>
@@ -2699,7 +2699,7 @@
           <p:cNvPr id="7" name="灯片编号占位符 6">
             <a:extLst>
               <a:ext uri="{FF2B5EF4-FFF2-40B4-BE49-F238E27FC236}">
-                <a16:creationId xmlns:a16="http://schemas.microsoft.com/office/drawing/2014/main" id="{AEBCFAD4-F9CF-34B5-EADD-996E2E305810}"/>
+                <a16:creationId xmlns:a16="http://schemas.microsoft.com/office/drawing/2014/main" id="{9E2E138C-8EF6-B888-A60C-2CE3C34B5985}"/>
               </a:ext>
             </a:extLst>
           </p:cNvPr>
@@ -2715,7 +2715,7 @@
           <a:bodyPr/>
           <a:lstStyle/>
           <a:p>
-            <a:fld id="{75124A92-EE43-4D33-9438-E8343D626929}" type="slidenum">
+            <a:fld id="{E046E054-230C-46F7-831C-783704785255}" type="slidenum">
               <a:rPr lang="zh-CN" altLang="en-US" smtClean="0"/>
               <a:t>‹#›</a:t>
             </a:fld>
@@ -2726,7 +2726,7 @@
     </p:spTree>
     <p:extLst>
       <p:ext uri="{BB962C8B-B14F-4D97-AF65-F5344CB8AC3E}">
-        <p14:creationId xmlns:p14="http://schemas.microsoft.com/office/powerpoint/2010/main" val="3433097802"/>
+        <p14:creationId xmlns:p14="http://schemas.microsoft.com/office/powerpoint/2010/main" val="4090154121"/>
       </p:ext>
     </p:extLst>
   </p:cSld>
@@ -2763,7 +2763,7 @@
           <p:cNvPr id="2" name="标题占位符 1">
             <a:extLst>
               <a:ext uri="{FF2B5EF4-FFF2-40B4-BE49-F238E27FC236}">
-                <a16:creationId xmlns:a16="http://schemas.microsoft.com/office/drawing/2014/main" id="{59C17089-F32B-2F38-AA6C-459D60F464D1}"/>
+                <a16:creationId xmlns:a16="http://schemas.microsoft.com/office/drawing/2014/main" id="{CCB74BDD-7BBC-E385-80AF-C30515470D3C}"/>
               </a:ext>
             </a:extLst>
           </p:cNvPr>
@@ -2801,7 +2801,7 @@
           <p:cNvPr id="3" name="文本占位符 2">
             <a:extLst>
               <a:ext uri="{FF2B5EF4-FFF2-40B4-BE49-F238E27FC236}">
-                <a16:creationId xmlns:a16="http://schemas.microsoft.com/office/drawing/2014/main" id="{8D0901B4-8702-DCC3-8441-EC4D7AE3118D}"/>
+                <a16:creationId xmlns:a16="http://schemas.microsoft.com/office/drawing/2014/main" id="{7A08A0C1-AC71-26C7-09BF-B9181661AE5D}"/>
               </a:ext>
             </a:extLst>
           </p:cNvPr>
@@ -2868,7 +2868,7 @@
           <p:cNvPr id="4" name="日期占位符 3">
             <a:extLst>
               <a:ext uri="{FF2B5EF4-FFF2-40B4-BE49-F238E27FC236}">
-                <a16:creationId xmlns:a16="http://schemas.microsoft.com/office/drawing/2014/main" id="{7AF71CAF-C531-C9A4-54AD-3D90ACFB846F}"/>
+                <a16:creationId xmlns:a16="http://schemas.microsoft.com/office/drawing/2014/main" id="{BF51201B-B451-220B-4D6E-4F78716187ED}"/>
               </a:ext>
             </a:extLst>
           </p:cNvPr>
@@ -2902,7 +2902,7 @@
             </a:lvl1pPr>
           </a:lstStyle>
           <a:p>
-            <a:fld id="{1088E5E5-D335-4A28-8DCB-86F052E61E93}" type="datetimeFigureOut">
+            <a:fld id="{F39165A2-3D9F-46B6-A1EB-B0C544DD6156}" type="datetimeFigureOut">
               <a:rPr lang="zh-CN" altLang="en-US" smtClean="0"/>
               <a:t>2024/3/10</a:t>
             </a:fld>
@@ -2915,7 +2915,7 @@
           <p:cNvPr id="5" name="页脚占位符 4">
             <a:extLst>
               <a:ext uri="{FF2B5EF4-FFF2-40B4-BE49-F238E27FC236}">
-                <a16:creationId xmlns:a16="http://schemas.microsoft.com/office/drawing/2014/main" id="{219569CB-2841-101B-18DB-34301BF1AAD3}"/>
+                <a16:creationId xmlns:a16="http://schemas.microsoft.com/office/drawing/2014/main" id="{FD11BAD8-BA01-2B19-5FE3-9CA6AB8D5894}"/>
               </a:ext>
             </a:extLst>
           </p:cNvPr>
@@ -2958,7 +2958,7 @@
           <p:cNvPr id="6" name="灯片编号占位符 5">
             <a:extLst>
               <a:ext uri="{FF2B5EF4-FFF2-40B4-BE49-F238E27FC236}">
-                <a16:creationId xmlns:a16="http://schemas.microsoft.com/office/drawing/2014/main" id="{87C546B8-88A3-7E36-5B34-5A713D794711}"/>
+                <a16:creationId xmlns:a16="http://schemas.microsoft.com/office/drawing/2014/main" id="{ED6C9BB0-055A-FEC5-4061-E27601A9AC34}"/>
               </a:ext>
             </a:extLst>
           </p:cNvPr>
@@ -2992,7 +2992,7 @@
             </a:lvl1pPr>
           </a:lstStyle>
           <a:p>
-            <a:fld id="{75124A92-EE43-4D33-9438-E8343D626929}" type="slidenum">
+            <a:fld id="{E046E054-230C-46F7-831C-783704785255}" type="slidenum">
               <a:rPr lang="zh-CN" altLang="en-US" smtClean="0"/>
               <a:t>‹#›</a:t>
             </a:fld>
@@ -3003,7 +3003,7 @@
     </p:spTree>
     <p:extLst>
       <p:ext uri="{BB962C8B-B14F-4D97-AF65-F5344CB8AC3E}">
-        <p14:creationId xmlns:p14="http://schemas.microsoft.com/office/powerpoint/2010/main" val="2320035355"/>
+        <p14:creationId xmlns:p14="http://schemas.microsoft.com/office/powerpoint/2010/main" val="3893709919"/>
       </p:ext>
     </p:extLst>
   </p:cSld>
